--- a/HUST-Theme-PPT/v1顶边4-3.pptx
+++ b/HUST-Theme-PPT/v1顶边4-3.pptx
@@ -222,7 +222,7 @@
           <a:p>
             <a:fld id="{D6B6AF6C-110C-41AE-9FA9-A82250C7089D}" type="datetimeFigureOut">
               <a:rPr lang="zh-CN" altLang="en-US" smtClean="0"/>
-              <a:t>2026/1/5</a:t>
+              <a:t>2026/1/18</a:t>
             </a:fld>
             <a:endParaRPr lang="zh-CN" altLang="en-US"/>
           </a:p>
@@ -399,7 +399,7 @@
           <a:p>
             <a:fld id="{6F99673D-D7DD-324D-BAE5-739AF5E90082}" type="datetimeFigureOut">
               <a:rPr kumimoji="1" lang="zh-CN" altLang="en-US" smtClean="0"/>
-              <a:t>2026/1/5</a:t>
+              <a:t>2026/1/18</a:t>
             </a:fld>
             <a:endParaRPr kumimoji="1" lang="zh-CN" altLang="en-US"/>
           </a:p>
@@ -1053,7 +1053,7 @@
             </a:pPr>
             <a:fld id="{E4551058-E5DB-324A-A8E9-6D3BEF243C3B}" type="datetimeFigureOut">
               <a:rPr kumimoji="1" lang="zh-CN" altLang="en-US" smtClean="0"/>
-              <a:t>2026/1/5</a:t>
+              <a:t>2026/1/18</a:t>
             </a:fld>
             <a:endParaRPr kumimoji="1" lang="zh-CN" altLang="en-US"/>
           </a:p>
@@ -1460,7 +1460,7 @@
             </a:pPr>
             <a:fld id="{E4551058-E5DB-324A-A8E9-6D3BEF243C3B}" type="datetimeFigureOut">
               <a:rPr kumimoji="1" lang="zh-CN" altLang="en-US" smtClean="0"/>
-              <a:t>2026/1/5</a:t>
+              <a:t>2026/1/18</a:t>
             </a:fld>
             <a:endParaRPr kumimoji="1" lang="zh-CN" altLang="en-US"/>
           </a:p>
@@ -1747,7 +1747,7 @@
             </a:pPr>
             <a:fld id="{E4551058-E5DB-324A-A8E9-6D3BEF243C3B}" type="datetimeFigureOut">
               <a:rPr kumimoji="1" lang="zh-CN" altLang="en-US" smtClean="0"/>
-              <a:t>2026/1/5</a:t>
+              <a:t>2026/1/18</a:t>
             </a:fld>
             <a:endParaRPr kumimoji="1" lang="zh-CN" altLang="en-US"/>
           </a:p>
@@ -2070,7 +2070,7 @@
             </a:pPr>
             <a:fld id="{E4551058-E5DB-324A-A8E9-6D3BEF243C3B}" type="datetimeFigureOut">
               <a:rPr kumimoji="1" lang="zh-CN" altLang="en-US" smtClean="0"/>
-              <a:t>2026/1/5</a:t>
+              <a:t>2026/1/18</a:t>
             </a:fld>
             <a:endParaRPr kumimoji="1" lang="zh-CN" altLang="en-US"/>
           </a:p>
@@ -2378,7 +2378,7 @@
             </a:pPr>
             <a:fld id="{E4551058-E5DB-324A-A8E9-6D3BEF243C3B}" type="datetimeFigureOut">
               <a:rPr kumimoji="1" lang="zh-CN" altLang="en-US" smtClean="0"/>
-              <a:t>2026/1/5</a:t>
+              <a:t>2026/1/18</a:t>
             </a:fld>
             <a:endParaRPr kumimoji="1" lang="zh-CN" altLang="en-US"/>
           </a:p>
@@ -2606,7 +2606,7 @@
             </a:pPr>
             <a:fld id="{E4551058-E5DB-324A-A8E9-6D3BEF243C3B}" type="datetimeFigureOut">
               <a:rPr kumimoji="1" lang="zh-CN" altLang="en-US" smtClean="0"/>
-              <a:t>2026/1/5</a:t>
+              <a:t>2026/1/18</a:t>
             </a:fld>
             <a:endParaRPr kumimoji="1" lang="zh-CN" altLang="en-US"/>
           </a:p>
@@ -3206,7 +3206,7 @@
             </a:pPr>
             <a:fld id="{E4551058-E5DB-324A-A8E9-6D3BEF243C3B}" type="datetimeFigureOut">
               <a:rPr kumimoji="1" lang="zh-CN" altLang="en-US" smtClean="0"/>
-              <a:t>2026/1/5</a:t>
+              <a:t>2026/1/18</a:t>
             </a:fld>
             <a:endParaRPr kumimoji="1" lang="zh-CN" altLang="en-US"/>
           </a:p>
@@ -3540,7 +3540,7 @@
             </a:pPr>
             <a:fld id="{E4551058-E5DB-324A-A8E9-6D3BEF243C3B}" type="datetimeFigureOut">
               <a:rPr kumimoji="1" lang="zh-CN" altLang="en-US" smtClean="0"/>
-              <a:t>2026/1/5</a:t>
+              <a:t>2026/1/18</a:t>
             </a:fld>
             <a:endParaRPr kumimoji="1" lang="zh-CN" altLang="en-US"/>
           </a:p>
@@ -4051,7 +4051,7 @@
             </a:pPr>
             <a:fld id="{E4551058-E5DB-324A-A8E9-6D3BEF243C3B}" type="datetimeFigureOut">
               <a:rPr kumimoji="1" lang="zh-CN" altLang="en-US" smtClean="0"/>
-              <a:t>2026/1/5</a:t>
+              <a:t>2026/1/18</a:t>
             </a:fld>
             <a:endParaRPr kumimoji="1" lang="zh-CN" altLang="en-US"/>
           </a:p>
@@ -4218,7 +4218,7 @@
             </a:pPr>
             <a:fld id="{E4551058-E5DB-324A-A8E9-6D3BEF243C3B}" type="datetimeFigureOut">
               <a:rPr kumimoji="1" lang="zh-CN" altLang="en-US" smtClean="0"/>
-              <a:t>2026/1/5</a:t>
+              <a:t>2026/1/18</a:t>
             </a:fld>
             <a:endParaRPr kumimoji="1" lang="zh-CN" altLang="en-US"/>
           </a:p>
@@ -4385,7 +4385,7 @@
             </a:pPr>
             <a:fld id="{E4551058-E5DB-324A-A8E9-6D3BEF243C3B}" type="datetimeFigureOut">
               <a:rPr kumimoji="1" lang="zh-CN" altLang="en-US" smtClean="0"/>
-              <a:t>2026/1/5</a:t>
+              <a:t>2026/1/18</a:t>
             </a:fld>
             <a:endParaRPr kumimoji="1" lang="zh-CN" altLang="en-US"/>
           </a:p>
@@ -4970,7 +4970,7 @@
             </a:pPr>
             <a:fld id="{E4551058-E5DB-324A-A8E9-6D3BEF243C3B}" type="datetimeFigureOut">
               <a:rPr kumimoji="1" lang="zh-CN" altLang="en-US" smtClean="0"/>
-              <a:t>2026/1/5</a:t>
+              <a:t>2026/1/18</a:t>
             </a:fld>
             <a:endParaRPr kumimoji="1" lang="zh-CN" altLang="en-US"/>
           </a:p>
@@ -5333,7 +5333,7 @@
             </a:pPr>
             <a:fld id="{E4551058-E5DB-324A-A8E9-6D3BEF243C3B}" type="datetimeFigureOut">
               <a:rPr kumimoji="1" lang="zh-CN" altLang="en-US" smtClean="0"/>
-              <a:t>2026/1/5</a:t>
+              <a:t>2026/1/18</a:t>
             </a:fld>
             <a:endParaRPr kumimoji="1" lang="zh-CN" altLang="en-US"/>
           </a:p>
@@ -5977,16 +5977,10 @@
               </a:defRPr>
             </a:pPr>
             <a:r>
-              <a:rPr kumimoji="1" lang="zh-CN" altLang="en-US">
-                <a:solidFill/>
-              </a:rPr>
-              <a:t>清华简约</a:t>
-            </a:r>
-            <a:r>
               <a:rPr kumimoji="1" lang="zh-CN" altLang="en-US" dirty="0">
                 <a:solidFill/>
               </a:rPr>
-              <a:t>主题</a:t>
+              <a:t>华科简约主题</a:t>
             </a:r>
             <a:r>
               <a:rPr kumimoji="1" lang="en-US" altLang="zh-CN" dirty="0">
@@ -6052,10 +6046,24 @@
               </a:defRPr>
             </a:pPr>
             <a:r>
+              <a:rPr kumimoji="1" lang="en-US" altLang="zh-CN" dirty="0" err="1">
+                <a:solidFill/>
+              </a:rPr>
+              <a:t>zhul</a:t>
+            </a:r>
+            <a:endParaRPr kumimoji="1" lang="en-US" altLang="zh-CN" dirty="0"/>
+          </a:p>
+          <a:p>
+            <a:pPr>
+              <a:defRPr>
+                <a:solidFill/>
+              </a:defRPr>
+            </a:pPr>
+            <a:r>
               <a:rPr kumimoji="1" lang="zh-CN" altLang="en-US" dirty="0">
                 <a:solidFill/>
               </a:rPr>
-              <a:t>朱亮</a:t>
+              <a:t>东五楼</a:t>
             </a:r>
             <a:endParaRPr kumimoji="1" lang="en-US" altLang="zh-CN" dirty="0"/>
           </a:p>
@@ -6066,55 +6074,50 @@
               </a:defRPr>
             </a:pPr>
             <a:r>
+              <a:rPr kumimoji="1" lang="en-US" altLang="zh-CN" dirty="0">
+                <a:solidFill/>
+              </a:rPr>
+              <a:t>2026</a:t>
+            </a:r>
+            <a:r>
               <a:rPr kumimoji="1" lang="zh-CN" altLang="en-US" dirty="0">
                 <a:solidFill/>
               </a:rPr>
-              <a:t>东五楼</a:t>
-            </a:r>
-            <a:endParaRPr kumimoji="1" lang="en-US" altLang="zh-CN" dirty="0"/>
-          </a:p>
-          <a:p>
-            <a:pPr>
-              <a:defRPr>
-                <a:solidFill/>
-              </a:defRPr>
-            </a:pPr>
+              <a:t>年</a:t>
+            </a:r>
             <a:r>
               <a:rPr kumimoji="1" lang="en-US" altLang="zh-CN" dirty="0">
                 <a:solidFill/>
               </a:rPr>
-              <a:t>2020</a:t>
+              <a:t>1</a:t>
             </a:r>
             <a:r>
               <a:rPr kumimoji="1" lang="zh-CN" altLang="en-US" dirty="0">
                 <a:solidFill/>
               </a:rPr>
-              <a:t>年</a:t>
+              <a:t>月</a:t>
+            </a:r>
+            <a:r>
+              <a:rPr kumimoji="1" lang="en-US" altLang="zh-CN">
+                <a:solidFill/>
+              </a:rPr>
+              <a:t>1</a:t>
             </a:r>
             <a:r>
               <a:rPr kumimoji="1" lang="en-US" altLang="zh-CN" dirty="0">
                 <a:solidFill/>
               </a:rPr>
-              <a:t>6</a:t>
-            </a:r>
-            <a:r>
-              <a:rPr kumimoji="1" lang="zh-CN" altLang="en-US" dirty="0">
-                <a:solidFill/>
-              </a:rPr>
-              <a:t>月</a:t>
-            </a:r>
-            <a:r>
-              <a:rPr kumimoji="1" lang="en-US" altLang="zh-CN" dirty="0">
-                <a:solidFill/>
-              </a:rPr>
-              <a:t>9</a:t>
-            </a:r>
-            <a:r>
-              <a:rPr kumimoji="1" lang="zh-CN" altLang="en-US" dirty="0">
+              <a:t>8</a:t>
+            </a:r>
+            <a:r>
+              <a:rPr kumimoji="1" lang="zh-CN" altLang="en-US">
                 <a:solidFill/>
               </a:rPr>
               <a:t>日</a:t>
             </a:r>
+            <a:endParaRPr kumimoji="1" lang="zh-CN" altLang="en-US" dirty="0">
+              <a:solidFill/>
+            </a:endParaRPr>
           </a:p>
         </p:txBody>
       </p:sp>
@@ -6370,7 +6373,7 @@
               <a:rPr kumimoji="1" lang="zh-CN" altLang="en-US" dirty="0">
                 <a:solidFill/>
               </a:rPr>
-              <a:t>本清华主题模板实际上编辑了幻灯片母版，使图案和配色固定下来，使用时可类似于使用</a:t>
+              <a:t>本华科主题模板实际上编辑了幻灯片母版，使图案和配色固定下来，使用时可类似于使用</a:t>
             </a:r>
             <a:r>
               <a:rPr kumimoji="1" lang="en-US" altLang="zh-CN" dirty="0">
@@ -6429,7 +6432,7 @@
                 <a:solidFill/>
                 <a:hlinkClick r:id="rId3"/>
               </a:rPr>
-              <a:t>https://github.com/atomiechen/THU-PPT-Theme</a:t>
+              <a:t>https://github.com/LSTM-zhul/HUST-PPT</a:t>
             </a:r>
             <a:endParaRPr kumimoji="1" lang="en-US" altLang="zh-CN" dirty="0"/>
           </a:p>
@@ -6638,7 +6641,7 @@
               <a:rPr kumimoji="1" lang="zh-CN" altLang="en-US" dirty="0">
                 <a:solidFill/>
               </a:rPr>
-              <a:t>东五楼终于迎来了第一批在籍毕业生</a:t>
+              <a:t>东五楼又迎来了一批在籍毕业生</a:t>
             </a:r>
             <a:endParaRPr kumimoji="1" lang="en-US" altLang="zh-CN" dirty="0"/>
           </a:p>
@@ -6649,10 +6652,24 @@
               </a:defRPr>
             </a:pPr>
             <a:r>
+              <a:rPr lang="zh-CN" altLang="en-US" dirty="0">
+                <a:solidFill/>
+              </a:rPr>
+              <a:t>大模型 智能体</a:t>
+            </a:r>
+            <a:endParaRPr lang="en-US" altLang="zh-CN" dirty="0"/>
+          </a:p>
+          <a:p>
+            <a:pPr>
+              <a:defRPr>
+                <a:solidFill/>
+              </a:defRPr>
+            </a:pPr>
+            <a:r>
               <a:rPr kumimoji="1" lang="zh-CN" altLang="en-US" dirty="0">
                 <a:solidFill/>
               </a:rPr>
-              <a:t>扫地机科学与技术</a:t>
+              <a:t>一行不够，两行充数</a:t>
             </a:r>
             <a:endParaRPr kumimoji="1" lang="en-US" altLang="zh-CN" dirty="0"/>
           </a:p>
@@ -6666,7 +6683,7 @@
               <a:rPr kumimoji="1" lang="zh-CN" altLang="en-US" dirty="0">
                 <a:solidFill/>
               </a:rPr>
-              <a:t>一行不够，两行充数</a:t>
+              <a:t>更多页面款式供你选！</a:t>
             </a:r>
             <a:endParaRPr kumimoji="1" lang="en-US" altLang="zh-CN" dirty="0"/>
           </a:p>
@@ -6677,25 +6694,11 @@
               </a:defRPr>
             </a:pPr>
             <a:r>
-              <a:rPr kumimoji="1" lang="zh-CN" altLang="en-US" dirty="0">
-                <a:solidFill/>
-              </a:rPr>
-              <a:t>更多页面款式供你选！</a:t>
-            </a:r>
-            <a:endParaRPr kumimoji="1" lang="en-US" altLang="zh-CN" dirty="0"/>
-          </a:p>
-          <a:p>
-            <a:pPr>
-              <a:defRPr>
-                <a:solidFill/>
-              </a:defRPr>
-            </a:pPr>
-            <a:r>
               <a:rPr kumimoji="1" lang="en-US" altLang="zh-CN" dirty="0">
                 <a:solidFill/>
                 <a:hlinkClick r:id="rId2"/>
               </a:rPr>
-              <a:t>https://github.com/atomiechen/THU-PPT-Theme</a:t>
+              <a:t>https://github.com/LSTM-zhul/HUST-PPT</a:t>
             </a:r>
             <a:endParaRPr kumimoji="1" lang="en-US" altLang="zh-CN" dirty="0"/>
           </a:p>
@@ -6800,72 +6803,78 @@
               <a:t> </a:t>
             </a:r>
             <a:r>
+              <a:rPr lang="en" altLang="zh-CN" dirty="0">
+                <a:solidFill/>
+              </a:rPr>
+              <a:t>liang</a:t>
+            </a:r>
+            <a:r>
+              <a:rPr lang="zh-CN" altLang="en-US" dirty="0">
+                <a:solidFill/>
+              </a:rPr>
+              <a:t> </a:t>
+            </a:r>
+            <a:r>
+              <a:rPr lang="en-US" altLang="zh-CN" dirty="0" err="1">
+                <a:solidFill/>
+              </a:rPr>
+              <a:t>zhu</a:t>
+            </a:r>
+            <a:r>
+              <a:rPr lang="zh-CN" altLang="en-US" dirty="0">
+                <a:solidFill/>
+              </a:rPr>
+              <a:t> </a:t>
+            </a:r>
+            <a:r>
               <a:rPr kumimoji="1" lang="en" altLang="zh-CN" dirty="0">
                 <a:solidFill/>
               </a:rPr>
-              <a:t>Weihao CHEN from Xinya College</a:t>
-            </a:r>
-          </a:p>
-          <a:p>
-            <a:pPr>
-              <a:defRPr>
-                <a:solidFill/>
-              </a:defRPr>
-            </a:pPr>
-            <a:r>
-              <a:rPr kumimoji="1" lang="en-US" altLang="zh-CN" dirty="0">
-                <a:solidFill/>
-              </a:rPr>
-              <a:t>Sweeper</a:t>
+              <a:t>from HUST </a:t>
+            </a:r>
+          </a:p>
+          <a:p>
+            <a:pPr>
+              <a:defRPr>
+                <a:solidFill/>
+              </a:defRPr>
+            </a:pPr>
+            <a:r>
+              <a:rPr lang="en-US" altLang="zh-CN" dirty="0">
+                <a:solidFill/>
+              </a:rPr>
+              <a:t>LLM</a:t>
+            </a:r>
+            <a:r>
+              <a:rPr lang="zh-CN" altLang="en-US" dirty="0">
+                <a:solidFill/>
+              </a:rPr>
+              <a:t> </a:t>
+            </a:r>
+            <a:r>
+              <a:rPr lang="en-US" altLang="zh-CN" dirty="0">
+                <a:solidFill/>
+              </a:rPr>
+              <a:t>agent</a:t>
+            </a:r>
+          </a:p>
+          <a:p>
+            <a:pPr>
+              <a:defRPr>
+                <a:solidFill/>
+              </a:defRPr>
+            </a:pPr>
+            <a:r>
+              <a:rPr kumimoji="1" lang="en-US" altLang="zh-CN" dirty="0" err="1">
+                <a:solidFill/>
+              </a:rPr>
+              <a:t>zhul</a:t>
             </a:r>
             <a:r>
               <a:rPr kumimoji="1" lang="zh-CN" altLang="en-US" dirty="0">
                 <a:solidFill/>
               </a:rPr>
-              <a:t> </a:t>
-            </a:r>
-            <a:r>
-              <a:rPr kumimoji="1" lang="en-US" altLang="zh-CN" dirty="0">
-                <a:solidFill/>
-              </a:rPr>
-              <a:t>Science</a:t>
-            </a:r>
-            <a:r>
-              <a:rPr kumimoji="1" lang="zh-CN" altLang="en-US" dirty="0">
-                <a:solidFill/>
-              </a:rPr>
-              <a:t> </a:t>
-            </a:r>
-            <a:r>
-              <a:rPr kumimoji="1" lang="en-US" altLang="zh-CN" dirty="0">
-                <a:solidFill/>
-              </a:rPr>
-              <a:t>and</a:t>
-            </a:r>
-            <a:r>
-              <a:rPr kumimoji="1" lang="zh-CN" altLang="en-US" dirty="0">
-                <a:solidFill/>
-              </a:rPr>
-              <a:t> </a:t>
-            </a:r>
-            <a:r>
-              <a:rPr kumimoji="1" lang="en-US" altLang="zh-CN" dirty="0">
-                <a:solidFill/>
-              </a:rPr>
-              <a:t>Technology</a:t>
-            </a:r>
-          </a:p>
-          <a:p>
-            <a:pPr>
-              <a:defRPr>
-                <a:solidFill/>
-              </a:defRPr>
-            </a:pPr>
-            <a:r>
-              <a:rPr kumimoji="1" lang="zh-CN" altLang="en-US" dirty="0">
-                <a:solidFill/>
-              </a:rPr>
-              <a:t>朱亮做了一个清净的主题模板</a:t>
+              <a:t>做了一个清净的主题模板</a:t>
             </a:r>
             <a:endParaRPr kumimoji="1" lang="en-US" altLang="zh-CN" dirty="0"/>
           </a:p>
@@ -6962,11 +6971,14 @@
               </a:defRPr>
             </a:pPr>
             <a:r>
-              <a:rPr kumimoji="1" lang="zh-CN" altLang="en-US" dirty="0">
-                <a:solidFill/>
-              </a:rPr>
-              <a:t>艾敝舍</a:t>
-            </a:r>
+              <a:rPr kumimoji="1" lang="zh-CN" altLang="en-US">
+                <a:solidFill/>
+              </a:rPr>
+              <a:t>紫菘舍</a:t>
+            </a:r>
+            <a:endParaRPr kumimoji="1" lang="zh-CN" altLang="en-US" dirty="0">
+              <a:solidFill/>
+            </a:endParaRPr>
           </a:p>
         </p:txBody>
       </p:sp>
@@ -7084,39 +7096,6 @@
           </a:p>
         </p:txBody>
       </p:sp>
-      <p:pic>
-        <p:nvPicPr>
-          <p:cNvPr id="3" name="图片 2">
-            <a:extLst>
-              <a:ext uri="{FF2B5EF4-FFF2-40B4-BE49-F238E27FC236}">
-                <a16:creationId xmlns:a16="http://schemas.microsoft.com/office/drawing/2014/main" id="{044A7911-C555-314D-A584-D68172D261D0}"/>
-              </a:ext>
-            </a:extLst>
-          </p:cNvPr>
-          <p:cNvPicPr>
-            <a:picLocks noChangeAspect="1"/>
-          </p:cNvPicPr>
-          <p:nvPr/>
-        </p:nvPicPr>
-        <p:blipFill>
-          <a:blip r:embed="rId2"/>
-          <a:stretch>
-            <a:fillRect/>
-          </a:stretch>
-        </p:blipFill>
-        <p:spPr>
-          <a:xfrm>
-            <a:off x="1090208" y="753086"/>
-            <a:ext cx="6963584" cy="3940300"/>
-          </a:xfrm>
-          <a:prstGeom prst="rect">
-            <a:avLst/>
-          </a:prstGeom>
-          <a:ln>
-            <a:solidFill/>
-          </a:ln>
-        </p:spPr>
-      </p:pic>
     </p:spTree>
     <p:extLst>
       <p:ext uri="{BB962C8B-B14F-4D97-AF65-F5344CB8AC3E}">
@@ -7358,10 +7337,10 @@
               </a:defRPr>
             </a:pPr>
             <a:r>
-              <a:rPr kumimoji="1" lang="zh-CN" altLang="en-US" dirty="0">
-                <a:solidFill/>
-              </a:rPr>
-              <a:t>扫地机科学与技术</a:t>
+              <a:rPr lang="zh-CN" altLang="en-US" dirty="0">
+                <a:solidFill/>
+              </a:rPr>
+              <a:t>异构多智能体协同</a:t>
             </a:r>
           </a:p>
         </p:txBody>
@@ -7475,7 +7454,7 @@
               <a:rPr kumimoji="1" lang="en-US" altLang="zh-CN" dirty="0" err="1">
                 <a:solidFill/>
               </a:rPr>
-              <a:t>Atomie</a:t>
+              <a:t>zhu</a:t>
             </a:r>
             <a:endParaRPr kumimoji="1" lang="en-US" altLang="zh-CN" dirty="0"/>
           </a:p>
